--- a/Think in EFW③サーバv1.0.pptx
+++ b/Think in EFW③サーバv1.0.pptx
@@ -351,7 +351,7 @@
               <a:pPr>
                 <a:defRPr/>
               </a:pPr>
-              <a:t>2023/6/6</a:t>
+              <a:t>2023/6/7</a:t>
             </a:fld>
             <a:endParaRPr lang="en-US" altLang="ja-JP"/>
           </a:p>
@@ -653,7 +653,7 @@
               <a:pPr>
                 <a:defRPr/>
               </a:pPr>
-              <a:t>2023/6/6</a:t>
+              <a:t>2023/6/7</a:t>
             </a:fld>
             <a:endParaRPr lang="en-US" altLang="ja-JP"/>
           </a:p>
@@ -27290,7 +27290,7 @@
         </p:nvSpPr>
         <p:spPr>
           <a:xfrm>
-            <a:off x="276894" y="5246799"/>
+            <a:off x="236418" y="5048243"/>
             <a:ext cx="8671162" cy="1569660"/>
           </a:xfrm>
           <a:prstGeom prst="rect">
@@ -27338,7 +27338,7 @@
                 <a:latin typeface="ＭＳ Ｐゴシック" panose="020B0600070205080204" pitchFamily="50" charset="-128"/>
                 <a:ea typeface="ＭＳ Ｐゴシック" panose="020B0600070205080204" pitchFamily="50" charset="-128"/>
               </a:rPr>
-              <a:t>関数に、必要なデータの有無をチェックしてなければロードしてみる。データを取得できた場合、次回そのデータを再利用する。ロード時同期処理をおこなって、競合を防ぐ。この処理は、起動時すべてのデータをロードしなくて、必要時すこしずつ行う仕組みで、初期化の期間短縮に効果がある。また外部データの更新有無をチェックしてリロードする仕組みも類似のやり方に構築できる。</a:t>
+              <a:t>関数に、必要なデータの有無をチェックしてなければロードしてみる。データを取得できた場合、次回そのデータを再利用する。ロード時同期処理をおこなって、競合を防ぐ。この処理は、起動時すべてのデータをロードしなくて、必要時すこしずつ行う仕組みで、初期化の期間短縮に効果がある。</a:t>
             </a:r>
             <a:endParaRPr lang="en-US" altLang="ja-JP" sz="1600" dirty="0">
               <a:latin typeface="ＭＳ Ｐゴシック" panose="020B0600070205080204" pitchFamily="50" charset="-128"/>
@@ -27346,6 +27346,13 @@
             </a:endParaRPr>
           </a:p>
           <a:p>
+            <a:r>
+              <a:rPr lang="ja-JP" altLang="en-US" sz="1600" dirty="0">
+                <a:latin typeface="ＭＳ Ｐゴシック" panose="020B0600070205080204" pitchFamily="50" charset="-128"/>
+                <a:ea typeface="ＭＳ Ｐゴシック" panose="020B0600070205080204" pitchFamily="50" charset="-128"/>
+              </a:rPr>
+              <a:t>また外部データの更新有無をチェックしてリロードする仕組みも類似のやり方に構築できる。</a:t>
+            </a:r>
             <a:endParaRPr lang="en-US" altLang="ja-JP" sz="1600" dirty="0">
               <a:latin typeface="ＭＳ Ｐゴシック" panose="020B0600070205080204" pitchFamily="50" charset="-128"/>
               <a:ea typeface="ＭＳ Ｐゴシック" panose="020B0600070205080204" pitchFamily="50" charset="-128"/>
@@ -27380,7 +27387,7 @@
         </p:nvSpPr>
         <p:spPr>
           <a:xfrm>
-            <a:off x="236419" y="3320619"/>
+            <a:off x="236417" y="3090296"/>
             <a:ext cx="8671163" cy="1756904"/>
           </a:xfrm>
           <a:prstGeom prst="rect">
@@ -27608,7 +27615,7 @@
         </p:nvSpPr>
         <p:spPr>
           <a:xfrm>
-            <a:off x="4058448" y="2930794"/>
+            <a:off x="4139292" y="2805540"/>
             <a:ext cx="865415" cy="505977"/>
           </a:xfrm>
           <a:prstGeom prst="downArrow">
